--- a/Prezentacija.pptx
+++ b/Prezentacija.pptx
@@ -3103,13 +3103,52 @@
         <p:txBody>
           <a:bodyPr/>
           <a:p>
-            <a:r>
-              <a:rPr lang="en-US"/>
-              <a:t>1. </a:t>
-            </a:r>
+            <a:pPr marL="514350" indent="-514350">
+              <a:buAutoNum type="arabicPeriod"/>
+            </a:pPr>
             <a:r>
               <a:rPr lang="en-US" altLang="en-US"/>
               <a:t>Uvod u Quasar i njegove prednosti</a:t>
+            </a:r>
+            <a:endParaRPr lang="en-US" altLang="en-US"/>
+          </a:p>
+          <a:p>
+            <a:pPr marL="514350" indent="-514350">
+              <a:buAutoNum type="arabicPeriod"/>
+            </a:pPr>
+            <a:r>
+              <a:rPr lang="en-US" altLang="en-US"/>
+              <a:t>Stilizovanje u Quasaru</a:t>
+            </a:r>
+            <a:endParaRPr lang="en-US" altLang="en-US"/>
+          </a:p>
+          <a:p>
+            <a:pPr marL="514350" indent="-514350">
+              <a:buAutoNum type="arabicPeriod"/>
+            </a:pPr>
+            <a:r>
+              <a:rPr lang="en-US" altLang="en-US"/>
+              <a:t>QButton</a:t>
+            </a:r>
+            <a:endParaRPr lang="en-US" altLang="en-US"/>
+          </a:p>
+          <a:p>
+            <a:pPr marL="514350" indent="-514350">
+              <a:buAutoNum type="arabicPeriod"/>
+            </a:pPr>
+            <a:r>
+              <a:rPr lang="en-US" altLang="en-US"/>
+              <a:t>QInput</a:t>
+            </a:r>
+            <a:endParaRPr lang="en-US" altLang="en-US"/>
+          </a:p>
+          <a:p>
+            <a:pPr marL="514350" indent="-514350">
+              <a:buAutoNum type="arabicPeriod"/>
+            </a:pPr>
+            <a:r>
+              <a:rPr lang="en-US" altLang="en-US"/>
+              <a:t>QDialog</a:t>
             </a:r>
             <a:endParaRPr lang="en-US" altLang="en-US"/>
           </a:p>
@@ -3261,6 +3300,64 @@
             <a:endParaRPr lang="en-US" altLang="en-US"/>
           </a:p>
           <a:p>
+            <a:r>
+              <a:rPr lang="en-US" altLang="en-US"/>
+              <a:t>Quasar klase su jednostavan nacin za stilizovanje. </a:t>
+            </a:r>
+            <a:endParaRPr lang="en-US" altLang="en-US"/>
+          </a:p>
+          <a:p>
+            <a:r>
+              <a:rPr lang="en-US" altLang="en-US"/>
+              <a:t>Podesavanje margine i padinga</a:t>
+            </a:r>
+            <a:endParaRPr lang="en-US" altLang="en-US"/>
+          </a:p>
+          <a:p>
+            <a:r>
+              <a:rPr lang="en-US" altLang="en-US"/>
+              <a:t>Podesavanje velicine i debljine fonta, boje slova, boje pozadine</a:t>
+            </a:r>
+            <a:endParaRPr lang="en-US" altLang="en-US"/>
+          </a:p>
+          <a:p>
+            <a:r>
+              <a:rPr lang="en-US" altLang="en-US"/>
+              <a:t>Transormisanje i poravnjanje teksta</a:t>
+            </a:r>
+            <a:endParaRPr lang="en-US" altLang="en-US"/>
+          </a:p>
+          <a:p>
+            <a:endParaRPr lang="en-US" altLang="en-US" sz="2400"/>
+          </a:p>
+          <a:p>
+            <a:pPr marL="0" indent="0">
+              <a:buNone/>
+            </a:pPr>
+            <a:r>
+              <a:rPr lang="en-US" altLang="en-US" sz="2400">
+                <a:solidFill>
+                  <a:srgbClr val="FF0000"/>
+                </a:solidFill>
+              </a:rPr>
+              <a:t>Primer: </a:t>
+            </a:r>
+            <a:r>
+              <a:rPr lang="en-US" altLang="en-US" sz="2400"/>
+              <a:t>      class="bg-green-3 text-black q-ma-sm text-left text-lowercase"</a:t>
+            </a:r>
+            <a:endParaRPr lang="en-US" altLang="en-US" sz="2400"/>
+          </a:p>
+          <a:p>
+            <a:pPr marL="0" indent="0">
+              <a:buNone/>
+            </a:pPr>
+            <a:endParaRPr lang="en-US" altLang="en-US"/>
+          </a:p>
+          <a:p>
+            <a:pPr marL="0" indent="0">
+              <a:buNone/>
+            </a:pPr>
             <a:endParaRPr lang="en-US" altLang="en-US"/>
           </a:p>
         </p:txBody>
@@ -3682,6 +3779,30 @@
           </a:p>
         </p:txBody>
       </p:sp>
+      <p:pic>
+        <p:nvPicPr>
+          <p:cNvPr id="5" name="Picture 4" descr="Screenshot_2"/>
+          <p:cNvPicPr>
+            <a:picLocks noChangeAspect="1"/>
+          </p:cNvPicPr>
+          <p:nvPr/>
+        </p:nvPicPr>
+        <p:blipFill>
+          <a:blip r:embed="rId1"/>
+          <a:stretch>
+            <a:fillRect/>
+          </a:stretch>
+        </p:blipFill>
+        <p:spPr>
+          <a:xfrm>
+            <a:off x="7793990" y="4930140"/>
+            <a:ext cx="4046220" cy="1544955"/>
+          </a:xfrm>
+          <a:prstGeom prst="rect">
+            <a:avLst/>
+          </a:prstGeom>
+        </p:spPr>
+      </p:pic>
     </p:spTree>
   </p:cSld>
   <p:clrMapOvr>

--- a/Prezentacija.pptx
+++ b/Prezentacija.pptx
@@ -3294,59 +3294,159 @@
           <a:bodyPr/>
           <a:p>
             <a:r>
-              <a:rPr lang="en-US" altLang="en-US"/>
+              <a:rPr lang="en-US" altLang="en-US">
+                <a:sym typeface="+mn-ea"/>
+              </a:rPr>
               <a:t>Komponente u Quasaru dolaze sa bogatom podrskom za dizajn bez dodatnog css-a.</a:t>
             </a:r>
             <a:endParaRPr lang="en-US" altLang="en-US"/>
           </a:p>
           <a:p>
             <a:r>
-              <a:rPr lang="en-US" altLang="en-US"/>
+              <a:rPr lang="en-US" altLang="en-US">
+                <a:sym typeface="+mn-ea"/>
+              </a:rPr>
               <a:t>Quasar klase su jednostavan nacin za stilizovanje. </a:t>
             </a:r>
             <a:endParaRPr lang="en-US" altLang="en-US"/>
           </a:p>
           <a:p>
             <a:r>
-              <a:rPr lang="en-US" altLang="en-US"/>
-              <a:t>Podesavanje margine i padinga</a:t>
-            </a:r>
-            <a:endParaRPr lang="en-US" altLang="en-US"/>
-          </a:p>
-          <a:p>
-            <a:r>
-              <a:rPr lang="en-US" altLang="en-US"/>
-              <a:t>Podesavanje velicine i debljine fonta, boje slova, boje pozadine</a:t>
-            </a:r>
-            <a:endParaRPr lang="en-US" altLang="en-US"/>
-          </a:p>
-          <a:p>
-            <a:r>
-              <a:rPr lang="en-US" altLang="en-US"/>
-              <a:t>Transormisanje i poravnjanje teksta</a:t>
-            </a:r>
-            <a:endParaRPr lang="en-US" altLang="en-US"/>
-          </a:p>
-          <a:p>
-            <a:endParaRPr lang="en-US" altLang="en-US" sz="2400"/>
-          </a:p>
-          <a:p>
-            <a:pPr marL="0" indent="0">
-              <a:buNone/>
-            </a:pPr>
-            <a:r>
-              <a:rPr lang="en-US" altLang="en-US" sz="2400">
+              <a:rPr lang="en-US" altLang="en-US">
+                <a:sym typeface="+mn-ea"/>
+              </a:rPr>
+              <a:t>Podesavanje margine i padinga : </a:t>
+            </a:r>
+            <a:r>
+              <a:rPr lang="en-US" altLang="en-US">
                 <a:solidFill>
                   <a:srgbClr val="FF0000"/>
                 </a:solidFill>
+                <a:sym typeface="+mn-ea"/>
               </a:rPr>
-              <a:t>Primer: </a:t>
-            </a:r>
-            <a:r>
-              <a:rPr lang="en-US" altLang="en-US" sz="2400"/>
-              <a:t>      class="bg-green-3 text-black q-ma-sm text-left text-lowercase"</a:t>
-            </a:r>
-            <a:endParaRPr lang="en-US" altLang="en-US" sz="2400"/>
+              <a:t>class="q-</a:t>
+            </a:r>
+            <a:r>
+              <a:rPr lang="en-US" altLang="en-US">
+                <a:solidFill>
+                  <a:srgbClr val="FF0000"/>
+                </a:solidFill>
+                <a:sym typeface="+mn-ea"/>
+              </a:rPr>
+              <a:t>ma-sm q-pl-xl"</a:t>
+            </a:r>
+            <a:endParaRPr lang="en-US" altLang="en-US">
+              <a:solidFill>
+                <a:srgbClr val="FF0000"/>
+              </a:solidFill>
+            </a:endParaRPr>
+          </a:p>
+          <a:p>
+            <a:r>
+              <a:rPr lang="en-US" altLang="en-US">
+                <a:sym typeface="+mn-ea"/>
+              </a:rPr>
+              <a:t>Podesavanje velicine i debljine fonta: </a:t>
+            </a:r>
+            <a:r>
+              <a:rPr lang="en-US" altLang="en-US">
+                <a:solidFill>
+                  <a:srgbClr val="FF0000"/>
+                </a:solidFill>
+                <a:sym typeface="+mn-ea"/>
+              </a:rPr>
+              <a:t>class=</a:t>
+            </a:r>
+            <a:r>
+              <a:rPr lang="en-US" altLang="en-US">
+                <a:solidFill>
+                  <a:srgbClr val="FF0000"/>
+                </a:solidFill>
+                <a:sym typeface="+mn-ea"/>
+              </a:rPr>
+              <a:t>"</a:t>
+            </a:r>
+            <a:r>
+              <a:rPr lang="en-US" altLang="en-US">
+                <a:solidFill>
+                  <a:srgbClr val="FF0000"/>
+                </a:solidFill>
+                <a:sym typeface="+mn-ea"/>
+              </a:rPr>
+              <a:t>text-weight-thin text-lg</a:t>
+            </a:r>
+            <a:r>
+              <a:rPr lang="en-US" altLang="en-US">
+                <a:solidFill>
+                  <a:srgbClr val="FF0000"/>
+                </a:solidFill>
+                <a:sym typeface="+mn-ea"/>
+              </a:rPr>
+              <a:t>"</a:t>
+            </a:r>
+            <a:endParaRPr lang="en-US" altLang="en-US">
+              <a:solidFill>
+                <a:srgbClr val="FF0000"/>
+              </a:solidFill>
+            </a:endParaRPr>
+          </a:p>
+          <a:p>
+            <a:r>
+              <a:rPr lang="en-US" altLang="en-US">
+                <a:sym typeface="+mn-ea"/>
+              </a:rPr>
+              <a:t>Podesavanje boje slova i boje pozadine: </a:t>
+            </a:r>
+            <a:r>
+              <a:rPr lang="en-US" altLang="en-US">
+                <a:solidFill>
+                  <a:srgbClr val="FF0000"/>
+                </a:solidFill>
+                <a:sym typeface="+mn-ea"/>
+              </a:rPr>
+              <a:t>class=</a:t>
+            </a:r>
+            <a:r>
+              <a:rPr lang="en-US" altLang="en-US">
+                <a:solidFill>
+                  <a:srgbClr val="FF0000"/>
+                </a:solidFill>
+                <a:sym typeface="+mn-ea"/>
+              </a:rPr>
+              <a:t>"text-white bg-blue"</a:t>
+            </a:r>
+            <a:endParaRPr lang="en-US" altLang="en-US">
+              <a:solidFill>
+                <a:srgbClr val="FF0000"/>
+              </a:solidFill>
+            </a:endParaRPr>
+          </a:p>
+          <a:p>
+            <a:r>
+              <a:rPr lang="en-US" altLang="en-US">
+                <a:sym typeface="+mn-ea"/>
+              </a:rPr>
+              <a:t>Transormisanje i poravnjanje teksta: </a:t>
+            </a:r>
+            <a:r>
+              <a:rPr lang="en-US" altLang="en-US">
+                <a:solidFill>
+                  <a:srgbClr val="FF0000"/>
+                </a:solidFill>
+                <a:sym typeface="+mn-ea"/>
+              </a:rPr>
+              <a:t>class=</a:t>
+            </a:r>
+            <a:r>
+              <a:rPr lang="en-US" altLang="en-US">
+                <a:solidFill>
+                  <a:srgbClr val="FF0000"/>
+                </a:solidFill>
+                <a:sym typeface="+mn-ea"/>
+              </a:rPr>
+              <a:t>"lowercase text-left"</a:t>
+            </a:r>
+            <a:endParaRPr lang="en-US" altLang="en-US"/>
           </a:p>
           <a:p>
             <a:pPr marL="0" indent="0">
@@ -3695,6 +3795,30 @@
           </a:p>
         </p:txBody>
       </p:sp>
+      <p:pic>
+        <p:nvPicPr>
+          <p:cNvPr id="2" name="Picture 1"/>
+          <p:cNvPicPr>
+            <a:picLocks noChangeAspect="1"/>
+          </p:cNvPicPr>
+          <p:nvPr/>
+        </p:nvPicPr>
+        <p:blipFill>
+          <a:blip r:embed="rId1"/>
+          <a:stretch>
+            <a:fillRect/>
+          </a:stretch>
+        </p:blipFill>
+        <p:spPr>
+          <a:xfrm>
+            <a:off x="3190875" y="3688080"/>
+            <a:ext cx="6309360" cy="1419225"/>
+          </a:xfrm>
+          <a:prstGeom prst="rect">
+            <a:avLst/>
+          </a:prstGeom>
+        </p:spPr>
+      </p:pic>
     </p:spTree>
   </p:cSld>
   <p:clrMapOvr>

--- a/Prezentacija.pptx
+++ b/Prezentacija.pptx
@@ -3426,7 +3426,7 @@
               <a:rPr lang="en-US" altLang="en-US">
                 <a:sym typeface="+mn-ea"/>
               </a:rPr>
-              <a:t>Transormisanje i poravnjanje teksta: </a:t>
+              <a:t>Transformisanje i poravnjanje teksta: </a:t>
             </a:r>
             <a:r>
               <a:rPr lang="en-US" altLang="en-US">
@@ -3538,7 +3538,7 @@
       </p:sp>
       <p:pic>
         <p:nvPicPr>
-          <p:cNvPr id="5" name="Picture 4"/>
+          <p:cNvPr id="6" name="Picture 5" descr="settings-button"/>
           <p:cNvPicPr>
             <a:picLocks noChangeAspect="1"/>
           </p:cNvPicPr>
@@ -3552,8 +3552,8 @@
         </p:blipFill>
         <p:spPr>
           <a:xfrm>
-            <a:off x="1519555" y="3429000"/>
-            <a:ext cx="9401175" cy="619125"/>
+            <a:off x="2864485" y="4471035"/>
+            <a:ext cx="5979160" cy="1429385"/>
           </a:xfrm>
           <a:prstGeom prst="rect">
             <a:avLst/>
@@ -3562,7 +3562,7 @@
       </p:pic>
       <p:pic>
         <p:nvPicPr>
-          <p:cNvPr id="6" name="Picture 5" descr="settings-button"/>
+          <p:cNvPr id="4" name="Picture 3"/>
           <p:cNvPicPr>
             <a:picLocks noChangeAspect="1"/>
           </p:cNvPicPr>
@@ -3576,8 +3576,8 @@
         </p:blipFill>
         <p:spPr>
           <a:xfrm>
-            <a:off x="2864485" y="4471035"/>
-            <a:ext cx="5979160" cy="1429385"/>
+            <a:off x="2282190" y="3246755"/>
+            <a:ext cx="7627620" cy="781685"/>
           </a:xfrm>
           <a:prstGeom prst="rect">
             <a:avLst/>
@@ -3659,7 +3659,7 @@
       </p:sp>
       <p:pic>
         <p:nvPicPr>
-          <p:cNvPr id="5" name="Picture 4"/>
+          <p:cNvPr id="4" name="Picture 3"/>
           <p:cNvPicPr>
             <a:picLocks noChangeAspect="1"/>
           </p:cNvPicPr>
@@ -3673,8 +3673,8 @@
         </p:blipFill>
         <p:spPr>
           <a:xfrm>
-            <a:off x="1833245" y="3058160"/>
-            <a:ext cx="8352790" cy="741680"/>
+            <a:off x="1590040" y="3027045"/>
+            <a:ext cx="8698230" cy="772795"/>
           </a:xfrm>
           <a:prstGeom prst="rect">
             <a:avLst/>
@@ -3683,7 +3683,7 @@
       </p:pic>
       <p:pic>
         <p:nvPicPr>
-          <p:cNvPr id="6" name="Picture 5"/>
+          <p:cNvPr id="8" name="Picture 7"/>
           <p:cNvPicPr>
             <a:picLocks noChangeAspect="1"/>
           </p:cNvPicPr>
@@ -3697,8 +3697,8 @@
         </p:blipFill>
         <p:spPr>
           <a:xfrm>
-            <a:off x="3083560" y="4093210"/>
-            <a:ext cx="4982845" cy="1051560"/>
+            <a:off x="3083560" y="4075430"/>
+            <a:ext cx="4899025" cy="1086485"/>
           </a:xfrm>
           <a:prstGeom prst="rect">
             <a:avLst/>
@@ -3707,7 +3707,7 @@
       </p:pic>
       <p:pic>
         <p:nvPicPr>
-          <p:cNvPr id="7" name="Picture 6"/>
+          <p:cNvPr id="9" name="Picture 8"/>
           <p:cNvPicPr>
             <a:picLocks noChangeAspect="1"/>
           </p:cNvPicPr>
@@ -3721,8 +3721,8 @@
         </p:blipFill>
         <p:spPr>
           <a:xfrm>
-            <a:off x="3083560" y="5438140"/>
-            <a:ext cx="4982845" cy="920750"/>
+            <a:off x="3083560" y="5437505"/>
+            <a:ext cx="4899025" cy="989330"/>
           </a:xfrm>
           <a:prstGeom prst="rect">
             <a:avLst/>
@@ -3782,7 +3782,7 @@
           <a:p>
             <a:r>
               <a:rPr lang="en-US" altLang="en-US"/>
-              <a:t>Mask se koisti za unose koji zahtevaju tacno odredjen format</a:t>
+              <a:t>Mask se koristi za unose koji zahtevaju tacno odredjen format</a:t>
             </a:r>
             <a:endParaRPr lang="en-US" altLang="en-US"/>
           </a:p>
@@ -3791,6 +3791,15 @@
               <a:rPr lang="en-US" altLang="en-US"/>
               <a:t>Ugradjeni dogadjaji (input, focus, blur)</a:t>
             </a:r>
+            <a:endParaRPr lang="en-US" altLang="en-US"/>
+          </a:p>
+          <a:p>
+            <a:endParaRPr lang="en-US" altLang="en-US"/>
+          </a:p>
+          <a:p>
+            <a:endParaRPr lang="en-US" altLang="en-US"/>
+          </a:p>
+          <a:p>
             <a:endParaRPr lang="en-US" altLang="en-US"/>
           </a:p>
         </p:txBody>
@@ -3811,8 +3820,32 @@
         </p:blipFill>
         <p:spPr>
           <a:xfrm>
-            <a:off x="3190875" y="3688080"/>
-            <a:ext cx="6309360" cy="1419225"/>
+            <a:off x="3177540" y="4195445"/>
+            <a:ext cx="5076190" cy="1141730"/>
+          </a:xfrm>
+          <a:prstGeom prst="rect">
+            <a:avLst/>
+          </a:prstGeom>
+        </p:spPr>
+      </p:pic>
+      <p:pic>
+        <p:nvPicPr>
+          <p:cNvPr id="4" name="Picture 3"/>
+          <p:cNvPicPr>
+            <a:picLocks noChangeAspect="1"/>
+          </p:cNvPicPr>
+          <p:nvPr/>
+        </p:nvPicPr>
+        <p:blipFill>
+          <a:blip r:embed="rId2"/>
+          <a:stretch>
+            <a:fillRect/>
+          </a:stretch>
+        </p:blipFill>
+        <p:spPr>
+          <a:xfrm>
+            <a:off x="2472690" y="3539490"/>
+            <a:ext cx="7245985" cy="353060"/>
           </a:xfrm>
           <a:prstGeom prst="rect">
             <a:avLst/>
@@ -3883,7 +3916,7 @@
           <a:p>
             <a:r>
               <a:rPr lang="en-US" altLang="en-US"/>
-              <a:t>moze se koristiti na 2 nacina: koriscenjem q-dialog komponente i pozivanjem dijaloga iz Quasar API-ja.</a:t>
+              <a:t>Moze se koristiti na 2 nacina: koriscenjem q-dialog komponente i pozivanjem dijaloga iz Quasar API-ja.</a:t>
             </a:r>
             <a:endParaRPr lang="en-US" altLang="en-US"/>
           </a:p>

--- a/Prezentacija.pptx
+++ b/Prezentacija.pptx
@@ -2972,7 +2972,7 @@
                 <a:cs typeface="Arial" panose="020B0604020202020204" pitchFamily="34" charset="0"/>
                 <a:sym typeface="+mn-ea"/>
               </a:rPr>
-              <a:t>Kreiranje korisnickog interfejsa koriscenjem Quasar framworka</a:t>
+              <a:t>Kreiranje korisnickog interfejsa koriscenjem Quasar frameworka</a:t>
             </a:r>
             <a:br>
               <a:rPr lang="en-US" dirty="0">
